--- a/ModuleCode_10606539_10614532/Presentation/Presentation_10606539_10614532.pptx
+++ b/ModuleCode_10606539_10614532/Presentation/Presentation_10606539_10614532.pptx
@@ -5653,6 +5653,15 @@
 </file>
 
 <file path=customXml/item1.xml><?xml version="1.0" encoding="utf-8"?>
+<?mso-contentType ?>
+<FormTemplates xmlns="http://schemas.microsoft.com/sharepoint/v3/contenttype/forms">
+  <Display>DocumentLibraryForm</Display>
+  <Edit>DocumentLibraryForm</Edit>
+  <New>DocumentLibraryForm</New>
+</FormTemplates>
+</file>
+
+<file path=customXml/item2.xml><?xml version="1.0" encoding="utf-8"?>
 <ct:contentTypeSchema xmlns:ct="http://schemas.microsoft.com/office/2006/metadata/contentType" xmlns:ma="http://schemas.microsoft.com/office/2006/metadata/properties/metaAttributes" ct:_="" ma:_="" ma:contentTypeName="Document" ma:contentTypeID="0x01010054A60138D04A0D4484DD1B57C8AEA4E4" ma:contentTypeVersion="4" ma:contentTypeDescription="Create a new document." ma:contentTypeScope="" ma:versionID="8e13381e6e8eb2dbbec9c7df6bcdb63d">
   <xsd:schema xmlns:xsd="http://www.w3.org/2001/XMLSchema" xmlns:xs="http://www.w3.org/2001/XMLSchema" xmlns:p="http://schemas.microsoft.com/office/2006/metadata/properties" xmlns:ns2="dffec7a1-e926-4aab-87c9-408bb54c7c9e" targetNamespace="http://schemas.microsoft.com/office/2006/metadata/properties" ma:root="true" ma:fieldsID="8fd8070f3b0f1606a5cd0df88bda0809" ns2:_="">
     <xsd:import namespace="dffec7a1-e926-4aab-87c9-408bb54c7c9e"/>
@@ -5798,15 +5807,6 @@
 </ct:contentTypeSchema>
 </file>
 
-<file path=customXml/item2.xml><?xml version="1.0" encoding="utf-8"?>
-<?mso-contentType ?>
-<FormTemplates xmlns="http://schemas.microsoft.com/sharepoint/v3/contenttype/forms">
-  <Display>DocumentLibraryForm</Display>
-  <Edit>DocumentLibraryForm</Edit>
-  <New>DocumentLibraryForm</New>
-</FormTemplates>
-</file>
-
 <file path=customXml/item3.xml><?xml version="1.0" encoding="utf-8"?>
 <p:properties xmlns:p="http://schemas.microsoft.com/office/2006/metadata/properties" xmlns:xsi="http://www.w3.org/2001/XMLSchema-instance" xmlns:pc="http://schemas.microsoft.com/office/infopath/2007/PartnerControls">
   <documentManagement/>
@@ -5814,6 +5814,14 @@
 </file>
 
 <file path=customXml/itemProps1.xml><?xml version="1.0" encoding="utf-8"?>
+<ds:datastoreItem xmlns:ds="http://schemas.openxmlformats.org/officeDocument/2006/customXml" ds:itemID="{A776A0D9-CF22-4725-9D26-5624F8E735CE}">
+  <ds:schemaRefs>
+    <ds:schemaRef ds:uri="http://schemas.microsoft.com/sharepoint/v3/contenttype/forms"/>
+  </ds:schemaRefs>
+</ds:datastoreItem>
+</file>
+
+<file path=customXml/itemProps2.xml><?xml version="1.0" encoding="utf-8"?>
 <ds:datastoreItem xmlns:ds="http://schemas.openxmlformats.org/officeDocument/2006/customXml" ds:itemID="{778EF82B-4471-4F56-BC6E-1E22D1510B31}">
   <ds:schemaRefs>
     <ds:schemaRef ds:uri="http://schemas.microsoft.com/office/2006/metadata/contentType"/>
@@ -5831,14 +5839,6 @@
 </ds:datastoreItem>
 </file>
 
-<file path=customXml/itemProps2.xml><?xml version="1.0" encoding="utf-8"?>
-<ds:datastoreItem xmlns:ds="http://schemas.openxmlformats.org/officeDocument/2006/customXml" ds:itemID="{A776A0D9-CF22-4725-9D26-5624F8E735CE}">
-  <ds:schemaRefs>
-    <ds:schemaRef ds:uri="http://schemas.microsoft.com/sharepoint/v3/contenttype/forms"/>
-  </ds:schemaRefs>
-</ds:datastoreItem>
-</file>
-
 <file path=customXml/itemProps3.xml><?xml version="1.0" encoding="utf-8"?>
 <ds:datastoreItem xmlns:ds="http://schemas.openxmlformats.org/officeDocument/2006/customXml" ds:itemID="{C310288A-89B0-47A6-8BA5-A5A829044C14}">
   <ds:schemaRefs>

--- a/ModuleCode_10606539_10614532/Presentation/Presentation_10606539_10614532.pptx
+++ b/ModuleCode_10606539_10614532/Presentation/Presentation_10606539_10614532.pptx
@@ -14,9 +14,7 @@
     <p:sldId id="267" r:id="rId11"/>
     <p:sldId id="268" r:id="rId12"/>
     <p:sldId id="272" r:id="rId13"/>
-    <p:sldId id="269" r:id="rId14"/>
-    <p:sldId id="270" r:id="rId15"/>
-    <p:sldId id="261" r:id="rId16"/>
+    <p:sldId id="261" r:id="rId14"/>
   </p:sldIdLst>
   <p:sldSz cx="12192000" cy="6858000"/>
   <p:notesSz cx="6858000" cy="9144000"/>
@@ -272,7 +270,7 @@
           <a:p>
             <a:fld id="{846CE7D5-CF57-46EF-B807-FDD0502418D4}" type="datetimeFigureOut">
               <a:rPr lang="en-US" smtClean="0"/>
-              <a:t>6/13/2022</a:t>
+              <a:t>6/15/2022</a:t>
             </a:fld>
             <a:endParaRPr lang="en-US"/>
           </a:p>
@@ -472,7 +470,7 @@
           <a:p>
             <a:fld id="{846CE7D5-CF57-46EF-B807-FDD0502418D4}" type="datetimeFigureOut">
               <a:rPr lang="en-US" smtClean="0"/>
-              <a:t>6/13/2022</a:t>
+              <a:t>6/15/2022</a:t>
             </a:fld>
             <a:endParaRPr lang="en-US"/>
           </a:p>
@@ -682,7 +680,7 @@
           <a:p>
             <a:fld id="{846CE7D5-CF57-46EF-B807-FDD0502418D4}" type="datetimeFigureOut">
               <a:rPr lang="en-US" smtClean="0"/>
-              <a:t>6/13/2022</a:t>
+              <a:t>6/15/2022</a:t>
             </a:fld>
             <a:endParaRPr lang="en-US"/>
           </a:p>
@@ -882,7 +880,7 @@
           <a:p>
             <a:fld id="{846CE7D5-CF57-46EF-B807-FDD0502418D4}" type="datetimeFigureOut">
               <a:rPr lang="en-US" smtClean="0"/>
-              <a:t>6/13/2022</a:t>
+              <a:t>6/15/2022</a:t>
             </a:fld>
             <a:endParaRPr lang="en-US"/>
           </a:p>
@@ -1158,7 +1156,7 @@
           <a:p>
             <a:fld id="{846CE7D5-CF57-46EF-B807-FDD0502418D4}" type="datetimeFigureOut">
               <a:rPr lang="en-US" smtClean="0"/>
-              <a:t>6/13/2022</a:t>
+              <a:t>6/15/2022</a:t>
             </a:fld>
             <a:endParaRPr lang="en-US"/>
           </a:p>
@@ -1426,7 +1424,7 @@
           <a:p>
             <a:fld id="{846CE7D5-CF57-46EF-B807-FDD0502418D4}" type="datetimeFigureOut">
               <a:rPr lang="en-US" smtClean="0"/>
-              <a:t>6/13/2022</a:t>
+              <a:t>6/15/2022</a:t>
             </a:fld>
             <a:endParaRPr lang="en-US"/>
           </a:p>
@@ -1841,7 +1839,7 @@
           <a:p>
             <a:fld id="{846CE7D5-CF57-46EF-B807-FDD0502418D4}" type="datetimeFigureOut">
               <a:rPr lang="en-US" smtClean="0"/>
-              <a:t>6/13/2022</a:t>
+              <a:t>6/15/2022</a:t>
             </a:fld>
             <a:endParaRPr lang="en-US"/>
           </a:p>
@@ -1983,7 +1981,7 @@
           <a:p>
             <a:fld id="{846CE7D5-CF57-46EF-B807-FDD0502418D4}" type="datetimeFigureOut">
               <a:rPr lang="en-US" smtClean="0"/>
-              <a:t>6/13/2022</a:t>
+              <a:t>6/15/2022</a:t>
             </a:fld>
             <a:endParaRPr lang="en-US"/>
           </a:p>
@@ -2096,7 +2094,7 @@
           <a:p>
             <a:fld id="{846CE7D5-CF57-46EF-B807-FDD0502418D4}" type="datetimeFigureOut">
               <a:rPr lang="en-US" smtClean="0"/>
-              <a:t>6/13/2022</a:t>
+              <a:t>6/15/2022</a:t>
             </a:fld>
             <a:endParaRPr lang="en-US"/>
           </a:p>
@@ -2409,7 +2407,7 @@
           <a:p>
             <a:fld id="{846CE7D5-CF57-46EF-B807-FDD0502418D4}" type="datetimeFigureOut">
               <a:rPr lang="en-US" smtClean="0"/>
-              <a:t>6/13/2022</a:t>
+              <a:t>6/15/2022</a:t>
             </a:fld>
             <a:endParaRPr lang="en-US"/>
           </a:p>
@@ -2698,7 +2696,7 @@
           <a:p>
             <a:fld id="{846CE7D5-CF57-46EF-B807-FDD0502418D4}" type="datetimeFigureOut">
               <a:rPr lang="en-US" smtClean="0"/>
-              <a:t>6/13/2022</a:t>
+              <a:t>6/15/2022</a:t>
             </a:fld>
             <a:endParaRPr lang="en-US"/>
           </a:p>
@@ -2941,7 +2939,7 @@
           <a:p>
             <a:fld id="{846CE7D5-CF57-46EF-B807-FDD0502418D4}" type="datetimeFigureOut">
               <a:rPr lang="en-US" smtClean="0"/>
-              <a:t>6/13/2022</a:t>
+              <a:t>6/15/2022</a:t>
             </a:fld>
             <a:endParaRPr lang="en-US"/>
           </a:p>
@@ -3370,7 +3368,7 @@
         </p:nvSpPr>
         <p:spPr>
           <a:xfrm>
-            <a:off x="2455524" y="0"/>
+            <a:off x="2695254" y="1646659"/>
             <a:ext cx="6801492" cy="994113"/>
           </a:xfrm>
         </p:spPr>
@@ -3381,7 +3379,7 @@
           <a:lstStyle/>
           <a:p>
             <a:r>
-              <a:rPr lang="en-US" b="1" dirty="0">
+              <a:rPr lang="en-US" sz="4000" b="1" dirty="0">
                 <a:solidFill>
                   <a:schemeClr val="accent2">
                     <a:lumMod val="50000"/>
@@ -3405,7 +3403,7 @@
         </p:nvSpPr>
         <p:spPr>
           <a:xfrm>
-            <a:off x="2945030" y="4394200"/>
+            <a:off x="2945030" y="4354891"/>
             <a:ext cx="6027506" cy="1655762"/>
           </a:xfrm>
         </p:spPr>
@@ -3487,7 +3485,7 @@
         </p:nvSpPr>
         <p:spPr>
           <a:xfrm>
-            <a:off x="3964796" y="2341880"/>
+            <a:off x="4340716" y="3061571"/>
             <a:ext cx="3071974" cy="573642"/>
           </a:xfrm>
           <a:prstGeom prst="rect">
@@ -3521,6 +3519,113 @@
             <a:r>
               <a:rPr lang="en-US" sz="3600" b="1" dirty="0"/>
               <a:t>By Group 1</a:t>
+            </a:r>
+          </a:p>
+        </p:txBody>
+      </p:sp>
+      <p:pic>
+        <p:nvPicPr>
+          <p:cNvPr id="5" name="Picture 2">
+            <a:extLst>
+              <a:ext uri="{FF2B5EF4-FFF2-40B4-BE49-F238E27FC236}">
+                <a16:creationId xmlns:a16="http://schemas.microsoft.com/office/drawing/2014/main" id="{960EB03A-4274-D067-49FB-727599425709}"/>
+              </a:ext>
+            </a:extLst>
+          </p:cNvPr>
+          <p:cNvPicPr>
+            <a:picLocks noChangeAspect="1" noChangeArrowheads="1"/>
+          </p:cNvPicPr>
+          <p:nvPr/>
+        </p:nvPicPr>
+        <p:blipFill>
+          <a:blip r:embed="rId2">
+            <a:extLst>
+              <a:ext uri="{28A0092B-C50C-407E-A947-70E740481C1C}">
+                <a14:useLocalDpi xmlns:a14="http://schemas.microsoft.com/office/drawing/2010/main" val="0"/>
+              </a:ext>
+            </a:extLst>
+          </a:blip>
+          <a:srcRect/>
+          <a:stretch>
+            <a:fillRect/>
+          </a:stretch>
+        </p:blipFill>
+        <p:spPr bwMode="auto">
+          <a:xfrm>
+            <a:off x="104097" y="0"/>
+            <a:ext cx="1809750" cy="1133475"/>
+          </a:xfrm>
+          <a:prstGeom prst="rect">
+            <a:avLst/>
+          </a:prstGeom>
+          <a:noFill/>
+          <a:extLst>
+            <a:ext uri="{909E8E84-426E-40DD-AFC4-6F175D3DCCD1}">
+              <a14:hiddenFill xmlns:a14="http://schemas.microsoft.com/office/drawing/2010/main">
+                <a:solidFill>
+                  <a:srgbClr val="FFFFFF"/>
+                </a:solidFill>
+              </a14:hiddenFill>
+            </a:ext>
+          </a:extLst>
+        </p:spPr>
+      </p:pic>
+      <p:sp>
+        <p:nvSpPr>
+          <p:cNvPr id="6" name="Title 1">
+            <a:extLst>
+              <a:ext uri="{FF2B5EF4-FFF2-40B4-BE49-F238E27FC236}">
+                <a16:creationId xmlns:a16="http://schemas.microsoft.com/office/drawing/2014/main" id="{1FB5205E-D77A-C563-724E-88D822FBFDD3}"/>
+              </a:ext>
+            </a:extLst>
+          </p:cNvPr>
+          <p:cNvSpPr txBox="1">
+            <a:spLocks/>
+          </p:cNvSpPr>
+          <p:nvPr/>
+        </p:nvSpPr>
+        <p:spPr>
+          <a:xfrm>
+            <a:off x="1913847" y="22465"/>
+            <a:ext cx="8987833" cy="994113"/>
+          </a:xfrm>
+          <a:prstGeom prst="rect">
+            <a:avLst/>
+          </a:prstGeom>
+        </p:spPr>
+        <p:txBody>
+          <a:bodyPr vert="horz" lIns="91440" tIns="45720" rIns="91440" bIns="45720" rtlCol="0" anchor="b">
+            <a:normAutofit/>
+          </a:bodyPr>
+          <a:lstStyle>
+            <a:lvl1pPr algn="ctr" defTabSz="914400" rtl="0" eaLnBrk="1" latinLnBrk="0" hangingPunct="1">
+              <a:lnSpc>
+                <a:spcPct val="90000"/>
+              </a:lnSpc>
+              <a:spcBef>
+                <a:spcPct val="0"/>
+              </a:spcBef>
+              <a:buNone/>
+              <a:defRPr sz="6000" kern="1200">
+                <a:solidFill>
+                  <a:schemeClr val="tx1"/>
+                </a:solidFill>
+                <a:latin typeface="+mj-lt"/>
+                <a:ea typeface="+mj-ea"/>
+                <a:cs typeface="+mj-cs"/>
+              </a:defRPr>
+            </a:lvl1pPr>
+          </a:lstStyle>
+          <a:p>
+            <a:r>
+              <a:rPr lang="en-US" sz="4800" b="1" dirty="0">
+                <a:solidFill>
+                  <a:schemeClr val="accent2">
+                    <a:lumMod val="50000"/>
+                  </a:schemeClr>
+                </a:solidFill>
+              </a:rPr>
+              <a:t>Web &amp; Mobile Technologies</a:t>
             </a:r>
           </a:p>
         </p:txBody>
@@ -3541,14 +3646,6 @@
 <file path=ppt/slides/slide10.xml><?xml version="1.0" encoding="utf-8"?>
 <p:sld xmlns:a="http://schemas.openxmlformats.org/drawingml/2006/main" xmlns:r="http://schemas.openxmlformats.org/officeDocument/2006/relationships" xmlns:p="http://schemas.openxmlformats.org/presentationml/2006/main">
   <p:cSld>
-    <p:bg>
-      <p:bgPr>
-        <a:solidFill>
-          <a:schemeClr val="bg1"/>
-        </a:solidFill>
-        <a:effectLst/>
-      </p:bgPr>
-    </p:bg>
     <p:spTree>
       <p:nvGrpSpPr>
         <p:cNvPr id="1" name=""/>
@@ -3565,7 +3662,13 @@
       </p:grpSpPr>
       <p:sp>
         <p:nvSpPr>
-          <p:cNvPr id="2" name="Title 1"/>
+          <p:cNvPr id="4" name="Title 3">
+            <a:extLst>
+              <a:ext uri="{FF2B5EF4-FFF2-40B4-BE49-F238E27FC236}">
+                <a16:creationId xmlns:a16="http://schemas.microsoft.com/office/drawing/2014/main" id="{DB3E60E2-A3B8-10FA-94E5-FFD64F9C9D2A}"/>
+              </a:ext>
+            </a:extLst>
+          </p:cNvPr>
           <p:cNvSpPr>
             <a:spLocks noGrp="1"/>
           </p:cNvSpPr>
@@ -3575,215 +3678,27 @@
         </p:nvSpPr>
         <p:spPr>
           <a:xfrm>
-            <a:off x="574039" y="108724"/>
-            <a:ext cx="10515599" cy="805676"/>
+            <a:off x="0" y="2372360"/>
+            <a:ext cx="12192000" cy="1056640"/>
           </a:xfrm>
         </p:spPr>
         <p:txBody>
           <a:bodyPr>
-            <a:noAutofit/>
+            <a:normAutofit/>
           </a:bodyPr>
           <a:lstStyle/>
           <a:p>
             <a:r>
-              <a:rPr lang="en-US" sz="5400" b="1" dirty="0">
+              <a:rPr lang="en-IN" sz="4400" b="1" dirty="0">
                 <a:solidFill>
                   <a:schemeClr val="accent2">
                     <a:lumMod val="50000"/>
                   </a:schemeClr>
                 </a:solidFill>
+                <a:latin typeface="+mn-lt"/>
+                <a:ea typeface="+mn-ea"/>
+                <a:cs typeface="+mn-cs"/>
               </a:rPr>
-              <a:t>Live Demo</a:t>
-            </a:r>
-            <a:endParaRPr lang="en-US" sz="5400" b="1" dirty="0"/>
-          </a:p>
-        </p:txBody>
-      </p:sp>
-      <p:sp>
-        <p:nvSpPr>
-          <p:cNvPr id="4" name="Subtitle 3">
-            <a:extLst>
-              <a:ext uri="{FF2B5EF4-FFF2-40B4-BE49-F238E27FC236}">
-                <a16:creationId xmlns:a16="http://schemas.microsoft.com/office/drawing/2014/main" id="{BC4D995B-F06C-334E-7FFF-40975900F5F7}"/>
-              </a:ext>
-            </a:extLst>
-          </p:cNvPr>
-          <p:cNvSpPr>
-            <a:spLocks noGrp="1"/>
-          </p:cNvSpPr>
-          <p:nvPr>
-            <p:ph type="subTitle" idx="1"/>
-          </p:nvPr>
-        </p:nvSpPr>
-        <p:spPr>
-          <a:xfrm>
-            <a:off x="1259838" y="2484438"/>
-            <a:ext cx="9144000" cy="1655762"/>
-          </a:xfrm>
-        </p:spPr>
-        <p:txBody>
-          <a:bodyPr>
-            <a:normAutofit/>
-          </a:bodyPr>
-          <a:lstStyle/>
-          <a:p>
-            <a:r>
-              <a:rPr lang="en-IN" sz="5400" i="1" dirty="0">
-                <a:solidFill>
-                  <a:srgbClr val="00B050"/>
-                </a:solidFill>
-                <a:hlinkClick r:id="rId2">
-                  <a:extLst>
-                    <a:ext uri="{A12FA001-AC4F-418D-AE19-62706E023703}">
-                      <ahyp:hlinkClr xmlns:ahyp="http://schemas.microsoft.com/office/drawing/2018/hyperlinkcolor" val="tx"/>
-                    </a:ext>
-                  </a:extLst>
-                </a:hlinkClick>
-              </a:rPr>
-              <a:t>Irish Fitness Factory</a:t>
-            </a:r>
-            <a:endParaRPr lang="en-IN" sz="5400" i="1" dirty="0">
-              <a:solidFill>
-                <a:srgbClr val="00B050"/>
-              </a:solidFill>
-            </a:endParaRPr>
-          </a:p>
-        </p:txBody>
-      </p:sp>
-    </p:spTree>
-    <p:extLst>
-      <p:ext uri="{BB962C8B-B14F-4D97-AF65-F5344CB8AC3E}">
-        <p14:creationId xmlns:p14="http://schemas.microsoft.com/office/powerpoint/2010/main" val="3149581912"/>
-      </p:ext>
-    </p:extLst>
-  </p:cSld>
-  <p:clrMapOvr>
-    <a:masterClrMapping/>
-  </p:clrMapOvr>
-</p:sld>
-</file>
-
-<file path=ppt/slides/slide11.xml><?xml version="1.0" encoding="utf-8"?>
-<p:sld xmlns:a="http://schemas.openxmlformats.org/drawingml/2006/main" xmlns:r="http://schemas.openxmlformats.org/officeDocument/2006/relationships" xmlns:p="http://schemas.openxmlformats.org/presentationml/2006/main">
-  <p:cSld>
-    <p:bg>
-      <p:bgPr>
-        <a:solidFill>
-          <a:schemeClr val="bg1"/>
-        </a:solidFill>
-        <a:effectLst/>
-      </p:bgPr>
-    </p:bg>
-    <p:spTree>
-      <p:nvGrpSpPr>
-        <p:cNvPr id="1" name=""/>
-        <p:cNvGrpSpPr/>
-        <p:nvPr/>
-      </p:nvGrpSpPr>
-      <p:grpSpPr>
-        <a:xfrm>
-          <a:off x="0" y="0"/>
-          <a:ext cx="0" cy="0"/>
-          <a:chOff x="0" y="0"/>
-          <a:chExt cx="0" cy="0"/>
-        </a:xfrm>
-      </p:grpSpPr>
-      <p:sp>
-        <p:nvSpPr>
-          <p:cNvPr id="2" name="Title 1"/>
-          <p:cNvSpPr>
-            <a:spLocks noGrp="1"/>
-          </p:cNvSpPr>
-          <p:nvPr>
-            <p:ph type="ctrTitle"/>
-          </p:nvPr>
-        </p:nvSpPr>
-        <p:spPr>
-          <a:xfrm>
-            <a:off x="2799079" y="1993404"/>
-            <a:ext cx="5908041" cy="1435596"/>
-          </a:xfrm>
-        </p:spPr>
-        <p:txBody>
-          <a:bodyPr>
-            <a:noAutofit/>
-          </a:bodyPr>
-          <a:lstStyle/>
-          <a:p>
-            <a:r>
-              <a:rPr lang="en-US" sz="5400" b="1" dirty="0">
-                <a:solidFill>
-                  <a:schemeClr val="accent2">
-                    <a:lumMod val="50000"/>
-                  </a:schemeClr>
-                </a:solidFill>
-              </a:rPr>
-              <a:t>Any Questions?</a:t>
-            </a:r>
-            <a:endParaRPr lang="en-US" sz="5400" b="1" dirty="0"/>
-          </a:p>
-        </p:txBody>
-      </p:sp>
-    </p:spTree>
-    <p:extLst>
-      <p:ext uri="{BB962C8B-B14F-4D97-AF65-F5344CB8AC3E}">
-        <p14:creationId xmlns:p14="http://schemas.microsoft.com/office/powerpoint/2010/main" val="3667294250"/>
-      </p:ext>
-    </p:extLst>
-  </p:cSld>
-  <p:clrMapOvr>
-    <a:masterClrMapping/>
-  </p:clrMapOvr>
-</p:sld>
-</file>
-
-<file path=ppt/slides/slide12.xml><?xml version="1.0" encoding="utf-8"?>
-<p:sld xmlns:a="http://schemas.openxmlformats.org/drawingml/2006/main" xmlns:r="http://schemas.openxmlformats.org/officeDocument/2006/relationships" xmlns:p="http://schemas.openxmlformats.org/presentationml/2006/main">
-  <p:cSld>
-    <p:spTree>
-      <p:nvGrpSpPr>
-        <p:cNvPr id="1" name=""/>
-        <p:cNvGrpSpPr/>
-        <p:nvPr/>
-      </p:nvGrpSpPr>
-      <p:grpSpPr>
-        <a:xfrm>
-          <a:off x="0" y="0"/>
-          <a:ext cx="0" cy="0"/>
-          <a:chOff x="0" y="0"/>
-          <a:chExt cx="0" cy="0"/>
-        </a:xfrm>
-      </p:grpSpPr>
-      <p:sp>
-        <p:nvSpPr>
-          <p:cNvPr id="4" name="Title 3">
-            <a:extLst>
-              <a:ext uri="{FF2B5EF4-FFF2-40B4-BE49-F238E27FC236}">
-                <a16:creationId xmlns:a16="http://schemas.microsoft.com/office/drawing/2014/main" id="{DB3E60E2-A3B8-10FA-94E5-FFD64F9C9D2A}"/>
-              </a:ext>
-            </a:extLst>
-          </p:cNvPr>
-          <p:cNvSpPr>
-            <a:spLocks noGrp="1"/>
-          </p:cNvSpPr>
-          <p:nvPr>
-            <p:ph type="ctrTitle"/>
-          </p:nvPr>
-        </p:nvSpPr>
-        <p:spPr>
-          <a:xfrm>
-            <a:off x="1318517" y="1041400"/>
-            <a:ext cx="9144000" cy="2387600"/>
-          </a:xfrm>
-        </p:spPr>
-        <p:txBody>
-          <a:bodyPr>
-            <a:normAutofit/>
-          </a:bodyPr>
-          <a:lstStyle/>
-          <a:p>
-            <a:r>
-              <a:rPr lang="en-IN" sz="7200" b="1" dirty="0"/>
               <a:t>Thank You!</a:t>
             </a:r>
           </a:p>
@@ -5272,7 +5187,7 @@
                   </a:schemeClr>
                 </a:solidFill>
               </a:rPr>
-              <a:t>Screenshots Contd.</a:t>
+              <a:t>GitHub</a:t>
             </a:r>
             <a:endParaRPr lang="en-US" sz="5400" b="1" dirty="0"/>
           </a:p>
@@ -5296,8 +5211,8 @@
         </p:nvSpPr>
         <p:spPr>
           <a:xfrm>
-            <a:off x="271641" y="1020122"/>
-            <a:ext cx="6527801" cy="420624"/>
+            <a:off x="2269489" y="2523802"/>
+            <a:ext cx="7307581" cy="2312358"/>
           </a:xfrm>
         </p:spPr>
         <p:txBody>
@@ -5306,44 +5221,23 @@
           </a:bodyPr>
           <a:lstStyle/>
           <a:p>
-            <a:pPr algn="l"/>
             <a:r>
               <a:rPr lang="en-IN" sz="2800" dirty="0"/>
-              <a:t>GitHub Repo:</a:t>
-            </a:r>
-          </a:p>
-        </p:txBody>
-      </p:sp>
-      <p:pic>
-        <p:nvPicPr>
-          <p:cNvPr id="4" name="Picture 3">
-            <a:extLst>
-              <a:ext uri="{FF2B5EF4-FFF2-40B4-BE49-F238E27FC236}">
-                <a16:creationId xmlns:a16="http://schemas.microsoft.com/office/drawing/2014/main" id="{3435ACBA-B8CD-4E24-277F-FF711505F574}"/>
-              </a:ext>
-            </a:extLst>
-          </p:cNvPr>
-          <p:cNvPicPr>
-            <a:picLocks noChangeAspect="1"/>
-          </p:cNvPicPr>
-          <p:nvPr/>
-        </p:nvPicPr>
-        <p:blipFill>
-          <a:blip r:embed="rId2"/>
-          <a:stretch>
-            <a:fillRect/>
-          </a:stretch>
-        </p:blipFill>
-        <p:spPr>
-          <a:xfrm>
-            <a:off x="271641" y="1727012"/>
-            <a:ext cx="11792556" cy="4879271"/>
-          </a:xfrm>
-          <a:prstGeom prst="rect">
-            <a:avLst/>
-          </a:prstGeom>
-        </p:spPr>
-      </p:pic>
+              <a:t>Click </a:t>
+            </a:r>
+            <a:r>
+              <a:rPr lang="en-IN" sz="2800" dirty="0">
+                <a:hlinkClick r:id="rId2"/>
+              </a:rPr>
+              <a:t>here</a:t>
+            </a:r>
+            <a:r>
+              <a:rPr lang="en-IN" sz="2800" dirty="0"/>
+              <a:t> to access GitHub repo</a:t>
+            </a:r>
+          </a:p>
+        </p:txBody>
+      </p:sp>
     </p:spTree>
     <p:extLst>
       <p:ext uri="{BB962C8B-B14F-4D97-AF65-F5344CB8AC3E}">
@@ -5653,15 +5547,6 @@
 </file>
 
 <file path=customXml/item1.xml><?xml version="1.0" encoding="utf-8"?>
-<?mso-contentType ?>
-<FormTemplates xmlns="http://schemas.microsoft.com/sharepoint/v3/contenttype/forms">
-  <Display>DocumentLibraryForm</Display>
-  <Edit>DocumentLibraryForm</Edit>
-  <New>DocumentLibraryForm</New>
-</FormTemplates>
-</file>
-
-<file path=customXml/item2.xml><?xml version="1.0" encoding="utf-8"?>
 <ct:contentTypeSchema xmlns:ct="http://schemas.microsoft.com/office/2006/metadata/contentType" xmlns:ma="http://schemas.microsoft.com/office/2006/metadata/properties/metaAttributes" ct:_="" ma:_="" ma:contentTypeName="Document" ma:contentTypeID="0x01010054A60138D04A0D4484DD1B57C8AEA4E4" ma:contentTypeVersion="4" ma:contentTypeDescription="Create a new document." ma:contentTypeScope="" ma:versionID="8e13381e6e8eb2dbbec9c7df6bcdb63d">
   <xsd:schema xmlns:xsd="http://www.w3.org/2001/XMLSchema" xmlns:xs="http://www.w3.org/2001/XMLSchema" xmlns:p="http://schemas.microsoft.com/office/2006/metadata/properties" xmlns:ns2="dffec7a1-e926-4aab-87c9-408bb54c7c9e" targetNamespace="http://schemas.microsoft.com/office/2006/metadata/properties" ma:root="true" ma:fieldsID="8fd8070f3b0f1606a5cd0df88bda0809" ns2:_="">
     <xsd:import namespace="dffec7a1-e926-4aab-87c9-408bb54c7c9e"/>
@@ -5807,6 +5692,15 @@
 </ct:contentTypeSchema>
 </file>
 
+<file path=customXml/item2.xml><?xml version="1.0" encoding="utf-8"?>
+<?mso-contentType ?>
+<FormTemplates xmlns="http://schemas.microsoft.com/sharepoint/v3/contenttype/forms">
+  <Display>DocumentLibraryForm</Display>
+  <Edit>DocumentLibraryForm</Edit>
+  <New>DocumentLibraryForm</New>
+</FormTemplates>
+</file>
+
 <file path=customXml/item3.xml><?xml version="1.0" encoding="utf-8"?>
 <p:properties xmlns:p="http://schemas.microsoft.com/office/2006/metadata/properties" xmlns:xsi="http://www.w3.org/2001/XMLSchema-instance" xmlns:pc="http://schemas.microsoft.com/office/infopath/2007/PartnerControls">
   <documentManagement/>
@@ -5814,14 +5708,6 @@
 </file>
 
 <file path=customXml/itemProps1.xml><?xml version="1.0" encoding="utf-8"?>
-<ds:datastoreItem xmlns:ds="http://schemas.openxmlformats.org/officeDocument/2006/customXml" ds:itemID="{A776A0D9-CF22-4725-9D26-5624F8E735CE}">
-  <ds:schemaRefs>
-    <ds:schemaRef ds:uri="http://schemas.microsoft.com/sharepoint/v3/contenttype/forms"/>
-  </ds:schemaRefs>
-</ds:datastoreItem>
-</file>
-
-<file path=customXml/itemProps2.xml><?xml version="1.0" encoding="utf-8"?>
 <ds:datastoreItem xmlns:ds="http://schemas.openxmlformats.org/officeDocument/2006/customXml" ds:itemID="{778EF82B-4471-4F56-BC6E-1E22D1510B31}">
   <ds:schemaRefs>
     <ds:schemaRef ds:uri="http://schemas.microsoft.com/office/2006/metadata/contentType"/>
@@ -5839,6 +5725,14 @@
 </ds:datastoreItem>
 </file>
 
+<file path=customXml/itemProps2.xml><?xml version="1.0" encoding="utf-8"?>
+<ds:datastoreItem xmlns:ds="http://schemas.openxmlformats.org/officeDocument/2006/customXml" ds:itemID="{A776A0D9-CF22-4725-9D26-5624F8E735CE}">
+  <ds:schemaRefs>
+    <ds:schemaRef ds:uri="http://schemas.microsoft.com/sharepoint/v3/contenttype/forms"/>
+  </ds:schemaRefs>
+</ds:datastoreItem>
+</file>
+
 <file path=customXml/itemProps3.xml><?xml version="1.0" encoding="utf-8"?>
 <ds:datastoreItem xmlns:ds="http://schemas.openxmlformats.org/officeDocument/2006/customXml" ds:itemID="{C310288A-89B0-47A6-8BA5-A5A829044C14}">
   <ds:schemaRefs>
